--- a/doc_ru.pptx
+++ b/doc_ru.pptx
@@ -205,7 +205,7 @@
           <a:p>
             <a:fld id="{4178471A-42F7-4F4C-94B8-884A4D162505}" type="datetimeFigureOut">
               <a:rPr lang="ru-RU" smtClean="0"/>
-              <a:t>22.04.2020</a:t>
+              <a:t>23.04.2020</a:t>
             </a:fld>
             <a:endParaRPr lang="ru-RU"/>
           </a:p>
@@ -948,7 +948,7 @@
           <a:p>
             <a:fld id="{523A13EB-E3DE-41E8-BE12-F0E7028BBB0D}" type="datetimeFigureOut">
               <a:rPr lang="ru-RU" smtClean="0"/>
-              <a:t>22.04.2020</a:t>
+              <a:t>23.04.2020</a:t>
             </a:fld>
             <a:endParaRPr lang="ru-RU"/>
           </a:p>
@@ -1016,13 +1016,13 @@
   <p:clrMapOvr>
     <a:overrideClrMapping bg1="dk1" tx1="lt1" bg2="dk2" tx2="lt2" accent1="accent1" accent2="accent2" accent3="accent3" accent4="accent4" accent5="accent5" accent6="accent6" hlink="hlink" folHlink="folHlink"/>
   </p:clrMapOvr>
-  <mc:AlternateContent xmlns:mc="http://schemas.openxmlformats.org/markup-compatibility/2006">
-    <mc:Choice xmlns:p14="http://schemas.microsoft.com/office/powerpoint/2010/main" Requires="p14">
+  <mc:AlternateContent xmlns:mc="http://schemas.openxmlformats.org/markup-compatibility/2006" xmlns:p14="http://schemas.microsoft.com/office/powerpoint/2010/main">
+    <mc:Choice Requires="p14">
       <p:transition spd="slow" p14:dur="1250">
         <p14:pan dir="u"/>
       </p:transition>
     </mc:Choice>
-    <mc:Fallback>
+    <mc:Fallback xmlns="">
       <p:transition spd="slow">
         <p:fade/>
       </p:transition>
@@ -1294,7 +1294,7 @@
           <a:p>
             <a:fld id="{523A13EB-E3DE-41E8-BE12-F0E7028BBB0D}" type="datetimeFigureOut">
               <a:rPr lang="ru-RU" smtClean="0"/>
-              <a:t>22.04.2020</a:t>
+              <a:t>23.04.2020</a:t>
             </a:fld>
             <a:endParaRPr lang="ru-RU"/>
           </a:p>
@@ -1352,13 +1352,13 @@
   <p:clrMapOvr>
     <a:masterClrMapping/>
   </p:clrMapOvr>
-  <mc:AlternateContent xmlns:mc="http://schemas.openxmlformats.org/markup-compatibility/2006">
-    <mc:Choice xmlns:p14="http://schemas.microsoft.com/office/powerpoint/2010/main" Requires="p14">
+  <mc:AlternateContent xmlns:mc="http://schemas.openxmlformats.org/markup-compatibility/2006" xmlns:p14="http://schemas.microsoft.com/office/powerpoint/2010/main">
+    <mc:Choice Requires="p14">
       <p:transition spd="slow" p14:dur="1250">
         <p14:pan dir="u"/>
       </p:transition>
     </mc:Choice>
-    <mc:Fallback>
+    <mc:Fallback xmlns="">
       <p:transition spd="slow">
         <p:fade/>
       </p:transition>
@@ -1584,7 +1584,7 @@
           <a:p>
             <a:fld id="{523A13EB-E3DE-41E8-BE12-F0E7028BBB0D}" type="datetimeFigureOut">
               <a:rPr lang="ru-RU" smtClean="0"/>
-              <a:t>22.04.2020</a:t>
+              <a:t>23.04.2020</a:t>
             </a:fld>
             <a:endParaRPr lang="ru-RU"/>
           </a:p>
@@ -1642,13 +1642,13 @@
   <p:clrMapOvr>
     <a:masterClrMapping/>
   </p:clrMapOvr>
-  <mc:AlternateContent xmlns:mc="http://schemas.openxmlformats.org/markup-compatibility/2006">
-    <mc:Choice xmlns:p14="http://schemas.microsoft.com/office/powerpoint/2010/main" Requires="p14">
+  <mc:AlternateContent xmlns:mc="http://schemas.openxmlformats.org/markup-compatibility/2006" xmlns:p14="http://schemas.microsoft.com/office/powerpoint/2010/main">
+    <mc:Choice Requires="p14">
       <p:transition spd="slow" p14:dur="1250">
         <p14:pan dir="u"/>
       </p:transition>
     </mc:Choice>
-    <mc:Fallback>
+    <mc:Fallback xmlns="">
       <p:transition spd="slow">
         <p:fade/>
       </p:transition>
@@ -2164,7 +2164,7 @@
           <a:p>
             <a:fld id="{523A13EB-E3DE-41E8-BE12-F0E7028BBB0D}" type="datetimeFigureOut">
               <a:rPr lang="ru-RU" smtClean="0"/>
-              <a:t>22.04.2020</a:t>
+              <a:t>23.04.2020</a:t>
             </a:fld>
             <a:endParaRPr lang="ru-RU"/>
           </a:p>
@@ -2222,13 +2222,13 @@
   <p:clrMapOvr>
     <a:masterClrMapping/>
   </p:clrMapOvr>
-  <mc:AlternateContent xmlns:mc="http://schemas.openxmlformats.org/markup-compatibility/2006">
-    <mc:Choice xmlns:p14="http://schemas.microsoft.com/office/powerpoint/2010/main" Requires="p14">
+  <mc:AlternateContent xmlns:mc="http://schemas.openxmlformats.org/markup-compatibility/2006" xmlns:p14="http://schemas.microsoft.com/office/powerpoint/2010/main">
+    <mc:Choice Requires="p14">
       <p:transition spd="slow" p14:dur="1250">
         <p14:pan dir="u"/>
       </p:transition>
     </mc:Choice>
-    <mc:Fallback>
+    <mc:Fallback xmlns="">
       <p:transition spd="slow">
         <p:fade/>
       </p:transition>
@@ -2454,7 +2454,7 @@
           <a:p>
             <a:fld id="{523A13EB-E3DE-41E8-BE12-F0E7028BBB0D}" type="datetimeFigureOut">
               <a:rPr lang="ru-RU" smtClean="0"/>
-              <a:t>22.04.2020</a:t>
+              <a:t>23.04.2020</a:t>
             </a:fld>
             <a:endParaRPr lang="ru-RU"/>
           </a:p>
@@ -2512,13 +2512,13 @@
   <p:clrMapOvr>
     <a:masterClrMapping/>
   </p:clrMapOvr>
-  <mc:AlternateContent xmlns:mc="http://schemas.openxmlformats.org/markup-compatibility/2006">
-    <mc:Choice xmlns:p14="http://schemas.microsoft.com/office/powerpoint/2010/main" Requires="p14">
+  <mc:AlternateContent xmlns:mc="http://schemas.openxmlformats.org/markup-compatibility/2006" xmlns:p14="http://schemas.microsoft.com/office/powerpoint/2010/main">
+    <mc:Choice Requires="p14">
       <p:transition spd="slow" p14:dur="1250">
         <p14:pan dir="u"/>
       </p:transition>
     </mc:Choice>
-    <mc:Fallback>
+    <mc:Fallback xmlns="">
       <p:transition spd="slow">
         <p:fade/>
       </p:transition>
@@ -3028,7 +3028,7 @@
           <a:p>
             <a:fld id="{523A13EB-E3DE-41E8-BE12-F0E7028BBB0D}" type="datetimeFigureOut">
               <a:rPr lang="ru-RU" smtClean="0"/>
-              <a:t>22.04.2020</a:t>
+              <a:t>23.04.2020</a:t>
             </a:fld>
             <a:endParaRPr lang="ru-RU"/>
           </a:p>
@@ -3086,13 +3086,13 @@
   <p:clrMapOvr>
     <a:masterClrMapping/>
   </p:clrMapOvr>
-  <mc:AlternateContent xmlns:mc="http://schemas.openxmlformats.org/markup-compatibility/2006">
-    <mc:Choice xmlns:p14="http://schemas.microsoft.com/office/powerpoint/2010/main" Requires="p14">
+  <mc:AlternateContent xmlns:mc="http://schemas.openxmlformats.org/markup-compatibility/2006" xmlns:p14="http://schemas.microsoft.com/office/powerpoint/2010/main">
+    <mc:Choice Requires="p14">
       <p:transition spd="slow" p14:dur="1250">
         <p14:pan dir="u"/>
       </p:transition>
     </mc:Choice>
-    <mc:Fallback>
+    <mc:Fallback xmlns="">
       <p:transition spd="slow">
         <p:fade/>
       </p:transition>
@@ -3367,7 +3367,7 @@
           <a:p>
             <a:fld id="{523A13EB-E3DE-41E8-BE12-F0E7028BBB0D}" type="datetimeFigureOut">
               <a:rPr lang="ru-RU" smtClean="0"/>
-              <a:t>22.04.2020</a:t>
+              <a:t>23.04.2020</a:t>
             </a:fld>
             <a:endParaRPr lang="ru-RU"/>
           </a:p>
@@ -3425,13 +3425,13 @@
   <p:clrMapOvr>
     <a:masterClrMapping/>
   </p:clrMapOvr>
-  <mc:AlternateContent xmlns:mc="http://schemas.openxmlformats.org/markup-compatibility/2006">
-    <mc:Choice xmlns:p14="http://schemas.microsoft.com/office/powerpoint/2010/main" Requires="p14">
+  <mc:AlternateContent xmlns:mc="http://schemas.openxmlformats.org/markup-compatibility/2006" xmlns:p14="http://schemas.microsoft.com/office/powerpoint/2010/main">
+    <mc:Choice Requires="p14">
       <p:transition spd="slow" p14:dur="1250">
         <p14:pan dir="u"/>
       </p:transition>
     </mc:Choice>
-    <mc:Fallback>
+    <mc:Fallback xmlns="">
       <p:transition spd="slow">
         <p:fade/>
       </p:transition>
@@ -3556,7 +3556,7 @@
           <a:p>
             <a:fld id="{523A13EB-E3DE-41E8-BE12-F0E7028BBB0D}" type="datetimeFigureOut">
               <a:rPr lang="ru-RU" smtClean="0"/>
-              <a:t>22.04.2020</a:t>
+              <a:t>23.04.2020</a:t>
             </a:fld>
             <a:endParaRPr lang="ru-RU"/>
           </a:p>
@@ -3642,13 +3642,13 @@
   <p:clrMapOvr>
     <a:masterClrMapping/>
   </p:clrMapOvr>
-  <mc:AlternateContent xmlns:mc="http://schemas.openxmlformats.org/markup-compatibility/2006">
-    <mc:Choice xmlns:p14="http://schemas.microsoft.com/office/powerpoint/2010/main" Requires="p14">
+  <mc:AlternateContent xmlns:mc="http://schemas.openxmlformats.org/markup-compatibility/2006" xmlns:p14="http://schemas.microsoft.com/office/powerpoint/2010/main">
+    <mc:Choice Requires="p14">
       <p:transition spd="slow" p14:dur="1250">
         <p14:pan dir="u"/>
       </p:transition>
     </mc:Choice>
-    <mc:Fallback>
+    <mc:Fallback xmlns="">
       <p:transition spd="slow">
         <p:fade/>
       </p:transition>
@@ -3806,7 +3806,7 @@
           <a:p>
             <a:fld id="{523A13EB-E3DE-41E8-BE12-F0E7028BBB0D}" type="datetimeFigureOut">
               <a:rPr lang="ru-RU" smtClean="0"/>
-              <a:t>22.04.2020</a:t>
+              <a:t>23.04.2020</a:t>
             </a:fld>
             <a:endParaRPr lang="ru-RU"/>
           </a:p>
@@ -3864,13 +3864,13 @@
   <p:clrMapOvr>
     <a:masterClrMapping/>
   </p:clrMapOvr>
-  <mc:AlternateContent xmlns:mc="http://schemas.openxmlformats.org/markup-compatibility/2006">
-    <mc:Choice xmlns:p14="http://schemas.microsoft.com/office/powerpoint/2010/main" Requires="p14">
+  <mc:AlternateContent xmlns:mc="http://schemas.openxmlformats.org/markup-compatibility/2006" xmlns:p14="http://schemas.microsoft.com/office/powerpoint/2010/main">
+    <mc:Choice Requires="p14">
       <p:transition spd="slow" p14:dur="1250">
         <p14:pan dir="u"/>
       </p:transition>
     </mc:Choice>
-    <mc:Fallback>
+    <mc:Fallback xmlns="">
       <p:transition spd="slow">
         <p:fade/>
       </p:transition>
@@ -4018,7 +4018,7 @@
           <a:p>
             <a:fld id="{523A13EB-E3DE-41E8-BE12-F0E7028BBB0D}" type="datetimeFigureOut">
               <a:rPr lang="ru-RU" smtClean="0"/>
-              <a:t>22.04.2020</a:t>
+              <a:t>23.04.2020</a:t>
             </a:fld>
             <a:endParaRPr lang="ru-RU"/>
           </a:p>
@@ -4076,13 +4076,13 @@
   <p:clrMapOvr>
     <a:masterClrMapping/>
   </p:clrMapOvr>
-  <mc:AlternateContent xmlns:mc="http://schemas.openxmlformats.org/markup-compatibility/2006">
-    <mc:Choice xmlns:p14="http://schemas.microsoft.com/office/powerpoint/2010/main" Requires="p14">
+  <mc:AlternateContent xmlns:mc="http://schemas.openxmlformats.org/markup-compatibility/2006" xmlns:p14="http://schemas.microsoft.com/office/powerpoint/2010/main">
+    <mc:Choice Requires="p14">
       <p:transition spd="slow" p14:dur="1250">
         <p14:pan dir="u"/>
       </p:transition>
     </mc:Choice>
-    <mc:Fallback>
+    <mc:Fallback xmlns="">
       <p:transition spd="slow">
         <p:fade/>
       </p:transition>
@@ -4306,7 +4306,7 @@
           <a:p>
             <a:fld id="{523A13EB-E3DE-41E8-BE12-F0E7028BBB0D}" type="datetimeFigureOut">
               <a:rPr lang="ru-RU" smtClean="0"/>
-              <a:t>22.04.2020</a:t>
+              <a:t>23.04.2020</a:t>
             </a:fld>
             <a:endParaRPr lang="ru-RU"/>
           </a:p>
@@ -4364,13 +4364,13 @@
   <p:clrMapOvr>
     <a:masterClrMapping/>
   </p:clrMapOvr>
-  <mc:AlternateContent xmlns:mc="http://schemas.openxmlformats.org/markup-compatibility/2006">
-    <mc:Choice xmlns:p14="http://schemas.microsoft.com/office/powerpoint/2010/main" Requires="p14">
+  <mc:AlternateContent xmlns:mc="http://schemas.openxmlformats.org/markup-compatibility/2006" xmlns:p14="http://schemas.microsoft.com/office/powerpoint/2010/main">
+    <mc:Choice Requires="p14">
       <p:transition spd="slow" p14:dur="1250">
         <p14:pan dir="u"/>
       </p:transition>
     </mc:Choice>
-    <mc:Fallback>
+    <mc:Fallback xmlns="">
       <p:transition spd="slow">
         <p:fade/>
       </p:transition>
@@ -4584,7 +4584,7 @@
           <a:p>
             <a:fld id="{523A13EB-E3DE-41E8-BE12-F0E7028BBB0D}" type="datetimeFigureOut">
               <a:rPr lang="ru-RU" smtClean="0"/>
-              <a:t>22.04.2020</a:t>
+              <a:t>23.04.2020</a:t>
             </a:fld>
             <a:endParaRPr lang="ru-RU"/>
           </a:p>
@@ -4642,13 +4642,13 @@
   <p:clrMapOvr>
     <a:masterClrMapping/>
   </p:clrMapOvr>
-  <mc:AlternateContent xmlns:mc="http://schemas.openxmlformats.org/markup-compatibility/2006">
-    <mc:Choice xmlns:p14="http://schemas.microsoft.com/office/powerpoint/2010/main" Requires="p14">
+  <mc:AlternateContent xmlns:mc="http://schemas.openxmlformats.org/markup-compatibility/2006" xmlns:p14="http://schemas.microsoft.com/office/powerpoint/2010/main">
+    <mc:Choice Requires="p14">
       <p:transition spd="slow" p14:dur="1250">
         <p14:pan dir="u"/>
       </p:transition>
     </mc:Choice>
-    <mc:Fallback>
+    <mc:Fallback xmlns="">
       <p:transition spd="slow">
         <p:fade/>
       </p:transition>
@@ -4970,7 +4970,7 @@
           <a:p>
             <a:fld id="{523A13EB-E3DE-41E8-BE12-F0E7028BBB0D}" type="datetimeFigureOut">
               <a:rPr lang="ru-RU" smtClean="0"/>
-              <a:t>22.04.2020</a:t>
+              <a:t>23.04.2020</a:t>
             </a:fld>
             <a:endParaRPr lang="ru-RU"/>
           </a:p>
@@ -5028,13 +5028,13 @@
   <p:clrMapOvr>
     <a:masterClrMapping/>
   </p:clrMapOvr>
-  <mc:AlternateContent xmlns:mc="http://schemas.openxmlformats.org/markup-compatibility/2006">
-    <mc:Choice xmlns:p14="http://schemas.microsoft.com/office/powerpoint/2010/main" Requires="p14">
+  <mc:AlternateContent xmlns:mc="http://schemas.openxmlformats.org/markup-compatibility/2006" xmlns:p14="http://schemas.microsoft.com/office/powerpoint/2010/main">
+    <mc:Choice Requires="p14">
       <p:transition spd="slow" p14:dur="1250">
         <p14:pan dir="u"/>
       </p:transition>
     </mc:Choice>
-    <mc:Fallback>
+    <mc:Fallback xmlns="">
       <p:transition spd="slow">
         <p:fade/>
       </p:transition>
@@ -5130,7 +5130,7 @@
           <a:p>
             <a:fld id="{523A13EB-E3DE-41E8-BE12-F0E7028BBB0D}" type="datetimeFigureOut">
               <a:rPr lang="ru-RU" smtClean="0"/>
-              <a:t>22.04.2020</a:t>
+              <a:t>23.04.2020</a:t>
             </a:fld>
             <a:endParaRPr lang="ru-RU"/>
           </a:p>
@@ -5188,13 +5188,13 @@
   <p:clrMapOvr>
     <a:masterClrMapping/>
   </p:clrMapOvr>
-  <mc:AlternateContent xmlns:mc="http://schemas.openxmlformats.org/markup-compatibility/2006">
-    <mc:Choice xmlns:p14="http://schemas.microsoft.com/office/powerpoint/2010/main" Requires="p14">
+  <mc:AlternateContent xmlns:mc="http://schemas.openxmlformats.org/markup-compatibility/2006" xmlns:p14="http://schemas.microsoft.com/office/powerpoint/2010/main">
+    <mc:Choice Requires="p14">
       <p:transition spd="slow" p14:dur="1250">
         <p14:pan dir="u"/>
       </p:transition>
     </mc:Choice>
-    <mc:Fallback>
+    <mc:Fallback xmlns="">
       <p:transition spd="slow">
         <p:fade/>
       </p:transition>
@@ -5267,7 +5267,7 @@
           <a:p>
             <a:fld id="{523A13EB-E3DE-41E8-BE12-F0E7028BBB0D}" type="datetimeFigureOut">
               <a:rPr lang="ru-RU" smtClean="0"/>
-              <a:t>22.04.2020</a:t>
+              <a:t>23.04.2020</a:t>
             </a:fld>
             <a:endParaRPr lang="ru-RU"/>
           </a:p>
@@ -5325,13 +5325,13 @@
   <p:clrMapOvr>
     <a:masterClrMapping/>
   </p:clrMapOvr>
-  <mc:AlternateContent xmlns:mc="http://schemas.openxmlformats.org/markup-compatibility/2006">
-    <mc:Choice xmlns:p14="http://schemas.microsoft.com/office/powerpoint/2010/main" Requires="p14">
+  <mc:AlternateContent xmlns:mc="http://schemas.openxmlformats.org/markup-compatibility/2006" xmlns:p14="http://schemas.microsoft.com/office/powerpoint/2010/main">
+    <mc:Choice Requires="p14">
       <p:transition spd="slow" p14:dur="1250">
         <p14:pan dir="u"/>
       </p:transition>
     </mc:Choice>
-    <mc:Fallback>
+    <mc:Fallback xmlns="">
       <p:transition spd="slow">
         <p:fade/>
       </p:transition>
@@ -5564,7 +5564,7 @@
           <a:p>
             <a:fld id="{523A13EB-E3DE-41E8-BE12-F0E7028BBB0D}" type="datetimeFigureOut">
               <a:rPr lang="ru-RU" smtClean="0"/>
-              <a:t>22.04.2020</a:t>
+              <a:t>23.04.2020</a:t>
             </a:fld>
             <a:endParaRPr lang="ru-RU"/>
           </a:p>
@@ -5622,13 +5622,13 @@
   <p:clrMapOvr>
     <a:masterClrMapping/>
   </p:clrMapOvr>
-  <mc:AlternateContent xmlns:mc="http://schemas.openxmlformats.org/markup-compatibility/2006">
-    <mc:Choice xmlns:p14="http://schemas.microsoft.com/office/powerpoint/2010/main" Requires="p14">
+  <mc:AlternateContent xmlns:mc="http://schemas.openxmlformats.org/markup-compatibility/2006" xmlns:p14="http://schemas.microsoft.com/office/powerpoint/2010/main">
+    <mc:Choice Requires="p14">
       <p:transition spd="slow" p14:dur="1250">
         <p14:pan dir="u"/>
       </p:transition>
     </mc:Choice>
-    <mc:Fallback>
+    <mc:Fallback xmlns="">
       <p:transition spd="slow">
         <p:fade/>
       </p:transition>
@@ -5900,7 +5900,7 @@
           <a:p>
             <a:fld id="{523A13EB-E3DE-41E8-BE12-F0E7028BBB0D}" type="datetimeFigureOut">
               <a:rPr lang="ru-RU" smtClean="0"/>
-              <a:t>22.04.2020</a:t>
+              <a:t>23.04.2020</a:t>
             </a:fld>
             <a:endParaRPr lang="ru-RU"/>
           </a:p>
@@ -5958,13 +5958,13 @@
   <p:clrMapOvr>
     <a:masterClrMapping/>
   </p:clrMapOvr>
-  <mc:AlternateContent xmlns:mc="http://schemas.openxmlformats.org/markup-compatibility/2006">
-    <mc:Choice xmlns:p14="http://schemas.microsoft.com/office/powerpoint/2010/main" Requires="p14">
+  <mc:AlternateContent xmlns:mc="http://schemas.openxmlformats.org/markup-compatibility/2006" xmlns:p14="http://schemas.microsoft.com/office/powerpoint/2010/main">
+    <mc:Choice Requires="p14">
       <p:transition spd="slow" p14:dur="1250">
         <p14:pan dir="u"/>
       </p:transition>
     </mc:Choice>
-    <mc:Fallback>
+    <mc:Fallback xmlns="">
       <p:transition spd="slow">
         <p:fade/>
       </p:transition>
@@ -6140,7 +6140,7 @@
           <a:p>
             <a:fld id="{523A13EB-E3DE-41E8-BE12-F0E7028BBB0D}" type="datetimeFigureOut">
               <a:rPr lang="ru-RU" smtClean="0"/>
-              <a:t>22.04.2020</a:t>
+              <a:t>23.04.2020</a:t>
             </a:fld>
             <a:endParaRPr lang="ru-RU"/>
           </a:p>
@@ -6251,13 +6251,13 @@
     <p:sldLayoutId id="2147483943" r:id="rId16"/>
     <p:sldLayoutId id="2147483944" r:id="rId17"/>
   </p:sldLayoutIdLst>
-  <mc:AlternateContent xmlns:mc="http://schemas.openxmlformats.org/markup-compatibility/2006">
-    <mc:Choice xmlns:p14="http://schemas.microsoft.com/office/powerpoint/2010/main" Requires="p14">
+  <mc:AlternateContent xmlns:mc="http://schemas.openxmlformats.org/markup-compatibility/2006" xmlns:p14="http://schemas.microsoft.com/office/powerpoint/2010/main">
+    <mc:Choice Requires="p14">
       <p:transition spd="slow" p14:dur="1250">
         <p14:pan dir="u"/>
       </p:transition>
     </mc:Choice>
-    <mc:Fallback>
+    <mc:Fallback xmlns="">
       <p:transition spd="slow">
         <p:fade/>
       </p:transition>
@@ -6892,13 +6892,13 @@
   <p:clrMapOvr>
     <a:masterClrMapping/>
   </p:clrMapOvr>
-  <mc:AlternateContent xmlns:mc="http://schemas.openxmlformats.org/markup-compatibility/2006">
-    <mc:Choice xmlns:p14="http://schemas.microsoft.com/office/powerpoint/2010/main" Requires="p14">
+  <mc:AlternateContent xmlns:mc="http://schemas.openxmlformats.org/markup-compatibility/2006" xmlns:p14="http://schemas.microsoft.com/office/powerpoint/2010/main">
+    <mc:Choice Requires="p14">
       <p:transition spd="slow" p14:dur="1250">
         <p14:pan dir="u"/>
       </p:transition>
     </mc:Choice>
-    <mc:Fallback>
+    <mc:Fallback xmlns="">
       <p:transition spd="slow">
         <p:fade/>
       </p:transition>
@@ -7057,13 +7057,13 @@
   <p:clrMapOvr>
     <a:masterClrMapping/>
   </p:clrMapOvr>
-  <mc:AlternateContent xmlns:mc="http://schemas.openxmlformats.org/markup-compatibility/2006">
-    <mc:Choice xmlns:p14="http://schemas.microsoft.com/office/powerpoint/2010/main" Requires="p14">
+  <mc:AlternateContent xmlns:mc="http://schemas.openxmlformats.org/markup-compatibility/2006" xmlns:p14="http://schemas.microsoft.com/office/powerpoint/2010/main">
+    <mc:Choice Requires="p14">
       <p:transition spd="slow" p14:dur="1250">
         <p14:pan dir="u"/>
       </p:transition>
     </mc:Choice>
-    <mc:Fallback>
+    <mc:Fallback xmlns="">
       <p:transition spd="slow">
         <p:fade/>
       </p:transition>
@@ -7079,10 +7079,12 @@
       <p:bgPr>
         <a:gradFill flip="none" rotWithShape="1">
           <a:gsLst>
-            <a:gs pos="97000">
-              <a:schemeClr val="bg2"/>
+            <a:gs pos="4000">
+              <a:schemeClr val="bg2">
+                <a:lumMod val="75000"/>
+              </a:schemeClr>
             </a:gs>
-            <a:gs pos="0">
+            <a:gs pos="100000">
               <a:srgbClr val="00B0F0">
                 <a:lumMod val="98000"/>
                 <a:lumOff val="2000"/>
@@ -7197,13 +7199,13 @@
   <p:clrMapOvr>
     <a:masterClrMapping/>
   </p:clrMapOvr>
-  <mc:AlternateContent xmlns:mc="http://schemas.openxmlformats.org/markup-compatibility/2006">
-    <mc:Choice xmlns:p14="http://schemas.microsoft.com/office/powerpoint/2010/main" Requires="p14">
+  <mc:AlternateContent xmlns:mc="http://schemas.openxmlformats.org/markup-compatibility/2006" xmlns:p14="http://schemas.microsoft.com/office/powerpoint/2010/main">
+    <mc:Choice Requires="p14">
       <p:transition spd="slow" p14:dur="1250">
         <p14:pan dir="u"/>
       </p:transition>
     </mc:Choice>
-    <mc:Fallback>
+    <mc:Fallback xmlns="">
       <p:transition spd="slow">
         <p:fade/>
       </p:transition>
@@ -7498,13 +7500,13 @@
   <p:clrMapOvr>
     <a:masterClrMapping/>
   </p:clrMapOvr>
-  <mc:AlternateContent xmlns:mc="http://schemas.openxmlformats.org/markup-compatibility/2006">
-    <mc:Choice xmlns:p14="http://schemas.microsoft.com/office/powerpoint/2010/main" Requires="p14">
+  <mc:AlternateContent xmlns:mc="http://schemas.openxmlformats.org/markup-compatibility/2006" xmlns:p14="http://schemas.microsoft.com/office/powerpoint/2010/main">
+    <mc:Choice Requires="p14">
       <p:transition spd="slow" p14:dur="1250">
         <p14:pan dir="u"/>
       </p:transition>
     </mc:Choice>
-    <mc:Fallback>
+    <mc:Fallback xmlns="">
       <p:transition spd="slow">
         <p:fade/>
       </p:transition>
@@ -8127,13 +8129,13 @@
   <p:clrMapOvr>
     <a:masterClrMapping/>
   </p:clrMapOvr>
-  <mc:AlternateContent xmlns:mc="http://schemas.openxmlformats.org/markup-compatibility/2006">
-    <mc:Choice xmlns:p14="http://schemas.microsoft.com/office/powerpoint/2010/main" Requires="p14">
+  <mc:AlternateContent xmlns:mc="http://schemas.openxmlformats.org/markup-compatibility/2006" xmlns:p14="http://schemas.microsoft.com/office/powerpoint/2010/main">
+    <mc:Choice Requires="p14">
       <p:transition spd="slow" p14:dur="1250">
         <p14:pan dir="u"/>
       </p:transition>
     </mc:Choice>
-    <mc:Fallback>
+    <mc:Fallback xmlns="">
       <p:transition spd="slow">
         <p:fade/>
       </p:transition>
@@ -8218,8 +8220,8 @@
         </p:nvSpPr>
         <p:spPr>
           <a:xfrm>
-            <a:off x="323147" y="2274838"/>
-            <a:ext cx="3268464" cy="2308324"/>
+            <a:off x="323147" y="2257082"/>
+            <a:ext cx="3268464" cy="3170099"/>
           </a:xfrm>
           <a:prstGeom prst="rect">
             <a:avLst/>
@@ -8233,45 +8235,48 @@
           <a:lstStyle/>
           <a:p>
             <a:r>
-              <a:rPr lang="ru-RU" sz="2400" dirty="0">
+              <a:rPr lang="ru-RU" sz="2000" dirty="0">
                 <a:latin typeface="Arial" panose="020B0604020202020204" pitchFamily="34" charset="0"/>
                 <a:cs typeface="Arial" panose="020B0604020202020204" pitchFamily="34" charset="0"/>
               </a:rPr>
               <a:t>Особенностью данного интерфейса является его адаптивность к любому размеру экрана пользователя</a:t>
             </a:r>
-          </a:p>
-        </p:txBody>
-      </p:sp>
-      <p:pic>
-        <p:nvPicPr>
-          <p:cNvPr id="9" name="Рисунок 8">
-            <a:extLst>
-              <a:ext uri="{FF2B5EF4-FFF2-40B4-BE49-F238E27FC236}">
-                <a16:creationId xmlns:a16="http://schemas.microsoft.com/office/drawing/2014/main" id="{AB021988-8E45-415C-8187-4C8B5A76CBED}"/>
-              </a:ext>
-            </a:extLst>
-          </p:cNvPr>
-          <p:cNvPicPr>
-            <a:picLocks noChangeAspect="1"/>
-          </p:cNvPicPr>
-          <p:nvPr/>
-        </p:nvPicPr>
-        <p:blipFill>
-          <a:blip r:embed="rId3"/>
-          <a:stretch>
-            <a:fillRect/>
-          </a:stretch>
-        </p:blipFill>
-        <p:spPr>
-          <a:xfrm>
-            <a:off x="6842442" y="1141068"/>
-            <a:ext cx="5166677" cy="2602176"/>
-          </a:xfrm>
-          <a:prstGeom prst="rect">
-            <a:avLst/>
-          </a:prstGeom>
-        </p:spPr>
-      </p:pic>
+            <a:endParaRPr lang="en-US" sz="2000" dirty="0">
+              <a:latin typeface="Arial" panose="020B0604020202020204" pitchFamily="34" charset="0"/>
+              <a:cs typeface="Arial" panose="020B0604020202020204" pitchFamily="34" charset="0"/>
+            </a:endParaRPr>
+          </a:p>
+          <a:p>
+            <a:endParaRPr lang="en-US" sz="2000" dirty="0">
+              <a:latin typeface="Arial" panose="020B0604020202020204" pitchFamily="34" charset="0"/>
+              <a:cs typeface="Arial" panose="020B0604020202020204" pitchFamily="34" charset="0"/>
+            </a:endParaRPr>
+          </a:p>
+          <a:p>
+            <a:r>
+              <a:rPr lang="ru-RU" sz="2000" dirty="0">
+                <a:latin typeface="Arial" panose="020B0604020202020204" pitchFamily="34" charset="0"/>
+                <a:cs typeface="Arial" panose="020B0604020202020204" pitchFamily="34" charset="0"/>
+              </a:rPr>
+              <a:t>При его создании использовался </a:t>
+            </a:r>
+            <a:r>
+              <a:rPr lang="en-US" sz="2000" dirty="0">
+                <a:latin typeface="Arial" panose="020B0604020202020204" pitchFamily="34" charset="0"/>
+                <a:cs typeface="Arial" panose="020B0604020202020204" pitchFamily="34" charset="0"/>
+              </a:rPr>
+              <a:t>Bootstrap - </a:t>
+            </a:r>
+            <a:r>
+              <a:rPr lang="ru-RU" sz="2000" dirty="0">
+                <a:latin typeface="Arial" panose="020B0604020202020204" pitchFamily="34" charset="0"/>
+                <a:cs typeface="Arial" panose="020B0604020202020204" pitchFamily="34" charset="0"/>
+              </a:rPr>
+              <a:t>бесплатный HTML, CSS и JS фреймворк</a:t>
+            </a:r>
+          </a:p>
+        </p:txBody>
+      </p:sp>
       <p:pic>
         <p:nvPicPr>
           <p:cNvPr id="10" name="Рисунок 9">
@@ -8287,7 +8292,7 @@
           <p:nvPr/>
         </p:nvPicPr>
         <p:blipFill>
-          <a:blip r:embed="rId4"/>
+          <a:blip r:embed="rId3"/>
           <a:stretch>
             <a:fillRect/>
           </a:stretch>
@@ -8317,6 +8322,36 @@
           <p:nvPr/>
         </p:nvPicPr>
         <p:blipFill>
+          <a:blip r:embed="rId4"/>
+          <a:stretch>
+            <a:fillRect/>
+          </a:stretch>
+        </p:blipFill>
+        <p:spPr>
+          <a:xfrm>
+            <a:off x="6856248" y="3818397"/>
+            <a:ext cx="5152871" cy="2615739"/>
+          </a:xfrm>
+          <a:prstGeom prst="rect">
+            <a:avLst/>
+          </a:prstGeom>
+        </p:spPr>
+      </p:pic>
+      <p:pic>
+        <p:nvPicPr>
+          <p:cNvPr id="4" name="Рисунок 3">
+            <a:extLst>
+              <a:ext uri="{FF2B5EF4-FFF2-40B4-BE49-F238E27FC236}">
+                <a16:creationId xmlns:a16="http://schemas.microsoft.com/office/drawing/2014/main" id="{1B51F0A9-28EE-42EB-9A30-40FC3AC03AB2}"/>
+              </a:ext>
+            </a:extLst>
+          </p:cNvPr>
+          <p:cNvPicPr>
+            <a:picLocks noChangeAspect="1"/>
+          </p:cNvPicPr>
+          <p:nvPr/>
+        </p:nvPicPr>
+        <p:blipFill>
           <a:blip r:embed="rId5"/>
           <a:stretch>
             <a:fillRect/>
@@ -8324,8 +8359,8 @@
         </p:blipFill>
         <p:spPr>
           <a:xfrm>
-            <a:off x="6856248" y="3818397"/>
-            <a:ext cx="5152871" cy="2615739"/>
+            <a:off x="6856248" y="1134475"/>
+            <a:ext cx="5152871" cy="2538862"/>
           </a:xfrm>
           <a:prstGeom prst="rect">
             <a:avLst/>
@@ -8342,13 +8377,13 @@
   <p:clrMapOvr>
     <a:masterClrMapping/>
   </p:clrMapOvr>
-  <mc:AlternateContent xmlns:mc="http://schemas.openxmlformats.org/markup-compatibility/2006">
-    <mc:Choice xmlns:p14="http://schemas.microsoft.com/office/powerpoint/2010/main" Requires="p14">
+  <mc:AlternateContent xmlns:mc="http://schemas.openxmlformats.org/markup-compatibility/2006" xmlns:p14="http://schemas.microsoft.com/office/powerpoint/2010/main">
+    <mc:Choice Requires="p14">
       <p:transition spd="slow" p14:dur="1250">
         <p14:pan dir="u"/>
       </p:transition>
     </mc:Choice>
-    <mc:Fallback>
+    <mc:Fallback xmlns="">
       <p:transition spd="slow">
         <p:fade/>
       </p:transition>
@@ -8508,13 +8543,13 @@
   <p:clrMapOvr>
     <a:masterClrMapping/>
   </p:clrMapOvr>
-  <mc:AlternateContent xmlns:mc="http://schemas.openxmlformats.org/markup-compatibility/2006">
-    <mc:Choice xmlns:p14="http://schemas.microsoft.com/office/powerpoint/2010/main" Requires="p14">
+  <mc:AlternateContent xmlns:mc="http://schemas.openxmlformats.org/markup-compatibility/2006" xmlns:p14="http://schemas.microsoft.com/office/powerpoint/2010/main">
+    <mc:Choice Requires="p14">
       <p:transition spd="slow" p14:dur="1250">
         <p14:pan dir="u"/>
       </p:transition>
     </mc:Choice>
-    <mc:Fallback>
+    <mc:Fallback xmlns="">
       <p:transition spd="slow">
         <p:fade/>
       </p:transition>
@@ -8723,13 +8758,13 @@
   <p:clrMapOvr>
     <a:masterClrMapping/>
   </p:clrMapOvr>
-  <mc:AlternateContent xmlns:mc="http://schemas.openxmlformats.org/markup-compatibility/2006">
-    <mc:Choice xmlns:p14="http://schemas.microsoft.com/office/powerpoint/2010/main" Requires="p14">
+  <mc:AlternateContent xmlns:mc="http://schemas.openxmlformats.org/markup-compatibility/2006" xmlns:p14="http://schemas.microsoft.com/office/powerpoint/2010/main">
+    <mc:Choice Requires="p14">
       <p:transition spd="slow" p14:dur="1250">
         <p14:pan dir="u"/>
       </p:transition>
     </mc:Choice>
-    <mc:Fallback>
+    <mc:Fallback xmlns="">
       <p:transition spd="slow">
         <p:fade/>
       </p:transition>
@@ -8798,13 +8833,13 @@
   <p:clrMapOvr>
     <a:masterClrMapping/>
   </p:clrMapOvr>
-  <mc:AlternateContent xmlns:mc="http://schemas.openxmlformats.org/markup-compatibility/2006">
-    <mc:Choice xmlns:p14="http://schemas.microsoft.com/office/powerpoint/2010/main" Requires="p14">
+  <mc:AlternateContent xmlns:mc="http://schemas.openxmlformats.org/markup-compatibility/2006" xmlns:p14="http://schemas.microsoft.com/office/powerpoint/2010/main">
+    <mc:Choice Requires="p14">
       <p:transition spd="slow" p14:dur="1250">
         <p14:pan dir="u"/>
       </p:transition>
     </mc:Choice>
-    <mc:Fallback>
+    <mc:Fallback xmlns="">
       <p:transition spd="slow">
         <p:fade/>
       </p:transition>
